--- a/真理內心種.pptx
+++ b/真理內心種.pptx
@@ -8,7 +8,7 @@
     <p:sldId id="256" r:id="rId2"/>
     <p:sldId id="257" r:id="rId3"/>
   </p:sldIdLst>
-  <p:sldSz cx="9144000" cy="6858000" type="screen4x3"/>
+  <p:sldSz cx="9144000" cy="5143500" type="screen16x9"/>
   <p:notesSz cx="6858000" cy="9144000"/>
   <p:defaultTextStyle>
     <a:defPPr>
@@ -137,8 +137,8 @@
         </p:nvSpPr>
         <p:spPr>
           <a:xfrm>
-            <a:off x="685800" y="2130425"/>
-            <a:ext cx="7772400" cy="1470025"/>
+            <a:off x="685800" y="1597819"/>
+            <a:ext cx="7772400" cy="1102519"/>
           </a:xfrm>
         </p:spPr>
         <p:txBody>
@@ -165,8 +165,8 @@
         </p:nvSpPr>
         <p:spPr>
           <a:xfrm>
-            <a:off x="1371600" y="3886200"/>
-            <a:ext cx="6400800" cy="1752600"/>
+            <a:off x="1371600" y="2914650"/>
+            <a:ext cx="6400800" cy="1314450"/>
           </a:xfrm>
         </p:spPr>
         <p:txBody>
@@ -289,7 +289,7 @@
           <a:p>
             <a:fld id="{EC0C1DC1-2FAD-4254-8ED2-12A643AD4120}" type="datetimeFigureOut">
               <a:rPr lang="zh-TW" altLang="en-US" smtClean="0"/>
-              <a:t>2018/8/18</a:t>
+              <a:t>2019/9/7</a:t>
             </a:fld>
             <a:endParaRPr lang="zh-TW" altLang="en-US"/>
           </a:p>
@@ -454,7 +454,7 @@
           <a:p>
             <a:fld id="{EC0C1DC1-2FAD-4254-8ED2-12A643AD4120}" type="datetimeFigureOut">
               <a:rPr lang="zh-TW" altLang="en-US" smtClean="0"/>
-              <a:t>2018/8/18</a:t>
+              <a:t>2019/9/7</a:t>
             </a:fld>
             <a:endParaRPr lang="zh-TW" altLang="en-US"/>
           </a:p>
@@ -539,8 +539,8 @@
         </p:nvSpPr>
         <p:spPr>
           <a:xfrm>
-            <a:off x="6629400" y="274638"/>
-            <a:ext cx="2057400" cy="5851525"/>
+            <a:off x="6629400" y="205979"/>
+            <a:ext cx="2057400" cy="4388644"/>
           </a:xfrm>
         </p:spPr>
         <p:txBody>
@@ -567,8 +567,8 @@
         </p:nvSpPr>
         <p:spPr>
           <a:xfrm>
-            <a:off x="457200" y="274638"/>
-            <a:ext cx="6019800" cy="5851525"/>
+            <a:off x="457200" y="205979"/>
+            <a:ext cx="6019800" cy="4388644"/>
           </a:xfrm>
         </p:spPr>
         <p:txBody>
@@ -629,7 +629,7 @@
           <a:p>
             <a:fld id="{EC0C1DC1-2FAD-4254-8ED2-12A643AD4120}" type="datetimeFigureOut">
               <a:rPr lang="zh-TW" altLang="en-US" smtClean="0"/>
-              <a:t>2018/8/18</a:t>
+              <a:t>2019/9/7</a:t>
             </a:fld>
             <a:endParaRPr lang="zh-TW" altLang="en-US"/>
           </a:p>
@@ -794,7 +794,7 @@
           <a:p>
             <a:fld id="{EC0C1DC1-2FAD-4254-8ED2-12A643AD4120}" type="datetimeFigureOut">
               <a:rPr lang="zh-TW" altLang="en-US" smtClean="0"/>
-              <a:t>2018/8/18</a:t>
+              <a:t>2019/9/7</a:t>
             </a:fld>
             <a:endParaRPr lang="zh-TW" altLang="en-US"/>
           </a:p>
@@ -879,8 +879,8 @@
         </p:nvSpPr>
         <p:spPr>
           <a:xfrm>
-            <a:off x="722313" y="4406900"/>
-            <a:ext cx="7772400" cy="1362075"/>
+            <a:off x="722313" y="3305176"/>
+            <a:ext cx="7772400" cy="1021556"/>
           </a:xfrm>
         </p:spPr>
         <p:txBody>
@@ -911,8 +911,8 @@
         </p:nvSpPr>
         <p:spPr>
           <a:xfrm>
-            <a:off x="722313" y="2906713"/>
-            <a:ext cx="7772400" cy="1500187"/>
+            <a:off x="722313" y="2180035"/>
+            <a:ext cx="7772400" cy="1125140"/>
           </a:xfrm>
         </p:spPr>
         <p:txBody>
@@ -1035,7 +1035,7 @@
           <a:p>
             <a:fld id="{EC0C1DC1-2FAD-4254-8ED2-12A643AD4120}" type="datetimeFigureOut">
               <a:rPr lang="zh-TW" altLang="en-US" smtClean="0"/>
-              <a:t>2018/8/18</a:t>
+              <a:t>2019/9/7</a:t>
             </a:fld>
             <a:endParaRPr lang="zh-TW" altLang="en-US"/>
           </a:p>
@@ -1143,8 +1143,8 @@
         </p:nvSpPr>
         <p:spPr>
           <a:xfrm>
-            <a:off x="457200" y="1600200"/>
-            <a:ext cx="4038600" cy="4525963"/>
+            <a:off x="457200" y="1200151"/>
+            <a:ext cx="4038600" cy="3394472"/>
           </a:xfrm>
         </p:spPr>
         <p:txBody>
@@ -1228,8 +1228,8 @@
         </p:nvSpPr>
         <p:spPr>
           <a:xfrm>
-            <a:off x="4648200" y="1600200"/>
-            <a:ext cx="4038600" cy="4525963"/>
+            <a:off x="4648200" y="1200151"/>
+            <a:ext cx="4038600" cy="3394472"/>
           </a:xfrm>
         </p:spPr>
         <p:txBody>
@@ -1318,7 +1318,7 @@
           <a:p>
             <a:fld id="{EC0C1DC1-2FAD-4254-8ED2-12A643AD4120}" type="datetimeFigureOut">
               <a:rPr lang="zh-TW" altLang="en-US" smtClean="0"/>
-              <a:t>2018/8/18</a:t>
+              <a:t>2019/9/7</a:t>
             </a:fld>
             <a:endParaRPr lang="zh-TW" altLang="en-US"/>
           </a:p>
@@ -1430,8 +1430,8 @@
         </p:nvSpPr>
         <p:spPr>
           <a:xfrm>
-            <a:off x="457200" y="1535113"/>
-            <a:ext cx="4040188" cy="639762"/>
+            <a:off x="457200" y="1151335"/>
+            <a:ext cx="4040188" cy="479822"/>
           </a:xfrm>
         </p:spPr>
         <p:txBody>
@@ -1495,8 +1495,8 @@
         </p:nvSpPr>
         <p:spPr>
           <a:xfrm>
-            <a:off x="457200" y="2174875"/>
-            <a:ext cx="4040188" cy="3951288"/>
+            <a:off x="457200" y="1631156"/>
+            <a:ext cx="4040188" cy="2963466"/>
           </a:xfrm>
         </p:spPr>
         <p:txBody>
@@ -1580,8 +1580,8 @@
         </p:nvSpPr>
         <p:spPr>
           <a:xfrm>
-            <a:off x="4645025" y="1535113"/>
-            <a:ext cx="4041775" cy="639762"/>
+            <a:off x="4645026" y="1151335"/>
+            <a:ext cx="4041775" cy="479822"/>
           </a:xfrm>
         </p:spPr>
         <p:txBody>
@@ -1645,8 +1645,8 @@
         </p:nvSpPr>
         <p:spPr>
           <a:xfrm>
-            <a:off x="4645025" y="2174875"/>
-            <a:ext cx="4041775" cy="3951288"/>
+            <a:off x="4645026" y="1631156"/>
+            <a:ext cx="4041775" cy="2963466"/>
           </a:xfrm>
         </p:spPr>
         <p:txBody>
@@ -1735,7 +1735,7 @@
           <a:p>
             <a:fld id="{EC0C1DC1-2FAD-4254-8ED2-12A643AD4120}" type="datetimeFigureOut">
               <a:rPr lang="zh-TW" altLang="en-US" smtClean="0"/>
-              <a:t>2018/8/18</a:t>
+              <a:t>2019/9/7</a:t>
             </a:fld>
             <a:endParaRPr lang="zh-TW" altLang="en-US"/>
           </a:p>
@@ -1848,7 +1848,7 @@
           <a:p>
             <a:fld id="{EC0C1DC1-2FAD-4254-8ED2-12A643AD4120}" type="datetimeFigureOut">
               <a:rPr lang="zh-TW" altLang="en-US" smtClean="0"/>
-              <a:t>2018/8/18</a:t>
+              <a:t>2019/9/7</a:t>
             </a:fld>
             <a:endParaRPr lang="zh-TW" altLang="en-US"/>
           </a:p>
@@ -1938,7 +1938,7 @@
           <a:p>
             <a:fld id="{EC0C1DC1-2FAD-4254-8ED2-12A643AD4120}" type="datetimeFigureOut">
               <a:rPr lang="zh-TW" altLang="en-US" smtClean="0"/>
-              <a:t>2018/8/18</a:t>
+              <a:t>2019/9/7</a:t>
             </a:fld>
             <a:endParaRPr lang="zh-TW" altLang="en-US"/>
           </a:p>
@@ -2023,8 +2023,8 @@
         </p:nvSpPr>
         <p:spPr>
           <a:xfrm>
-            <a:off x="457200" y="273050"/>
-            <a:ext cx="3008313" cy="1162050"/>
+            <a:off x="457201" y="204787"/>
+            <a:ext cx="3008313" cy="871538"/>
           </a:xfrm>
         </p:spPr>
         <p:txBody>
@@ -2055,8 +2055,8 @@
         </p:nvSpPr>
         <p:spPr>
           <a:xfrm>
-            <a:off x="3575050" y="273050"/>
-            <a:ext cx="5111750" cy="5853113"/>
+            <a:off x="3575050" y="204788"/>
+            <a:ext cx="5111750" cy="4389835"/>
           </a:xfrm>
         </p:spPr>
         <p:txBody>
@@ -2140,8 +2140,8 @@
         </p:nvSpPr>
         <p:spPr>
           <a:xfrm>
-            <a:off x="457200" y="1435100"/>
-            <a:ext cx="3008313" cy="4691063"/>
+            <a:off x="457201" y="1076326"/>
+            <a:ext cx="3008313" cy="3518297"/>
           </a:xfrm>
         </p:spPr>
         <p:txBody>
@@ -2210,7 +2210,7 @@
           <a:p>
             <a:fld id="{EC0C1DC1-2FAD-4254-8ED2-12A643AD4120}" type="datetimeFigureOut">
               <a:rPr lang="zh-TW" altLang="en-US" smtClean="0"/>
-              <a:t>2018/8/18</a:t>
+              <a:t>2019/9/7</a:t>
             </a:fld>
             <a:endParaRPr lang="zh-TW" altLang="en-US"/>
           </a:p>
@@ -2295,8 +2295,8 @@
         </p:nvSpPr>
         <p:spPr>
           <a:xfrm>
-            <a:off x="1792288" y="4800600"/>
-            <a:ext cx="5486400" cy="566738"/>
+            <a:off x="1792288" y="3600450"/>
+            <a:ext cx="5486400" cy="425054"/>
           </a:xfrm>
         </p:spPr>
         <p:txBody>
@@ -2327,8 +2327,8 @@
         </p:nvSpPr>
         <p:spPr>
           <a:xfrm>
-            <a:off x="1792288" y="612775"/>
-            <a:ext cx="5486400" cy="4114800"/>
+            <a:off x="1792288" y="459581"/>
+            <a:ext cx="5486400" cy="3086100"/>
           </a:xfrm>
         </p:spPr>
         <p:txBody>
@@ -2392,8 +2392,8 @@
         </p:nvSpPr>
         <p:spPr>
           <a:xfrm>
-            <a:off x="1792288" y="5367338"/>
-            <a:ext cx="5486400" cy="804862"/>
+            <a:off x="1792288" y="4025503"/>
+            <a:ext cx="5486400" cy="603647"/>
           </a:xfrm>
         </p:spPr>
         <p:txBody>
@@ -2462,7 +2462,7 @@
           <a:p>
             <a:fld id="{EC0C1DC1-2FAD-4254-8ED2-12A643AD4120}" type="datetimeFigureOut">
               <a:rPr lang="zh-TW" altLang="en-US" smtClean="0"/>
-              <a:t>2018/8/18</a:t>
+              <a:t>2019/9/7</a:t>
             </a:fld>
             <a:endParaRPr lang="zh-TW" altLang="en-US"/>
           </a:p>
@@ -2557,8 +2557,8 @@
         </p:nvSpPr>
         <p:spPr>
           <a:xfrm>
-            <a:off x="457200" y="274638"/>
-            <a:ext cx="8229600" cy="1143000"/>
+            <a:off x="457200" y="205979"/>
+            <a:ext cx="8229600" cy="857250"/>
           </a:xfrm>
           <a:prstGeom prst="rect">
             <a:avLst/>
@@ -2590,8 +2590,8 @@
         </p:nvSpPr>
         <p:spPr>
           <a:xfrm>
-            <a:off x="457200" y="1600200"/>
-            <a:ext cx="8229600" cy="4525963"/>
+            <a:off x="457200" y="1200151"/>
+            <a:ext cx="8229600" cy="3394472"/>
           </a:xfrm>
           <a:prstGeom prst="rect">
             <a:avLst/>
@@ -2652,8 +2652,8 @@
         </p:nvSpPr>
         <p:spPr>
           <a:xfrm>
-            <a:off x="457200" y="6356350"/>
-            <a:ext cx="2133600" cy="365125"/>
+            <a:off x="457200" y="4767263"/>
+            <a:ext cx="2133600" cy="273844"/>
           </a:xfrm>
           <a:prstGeom prst="rect">
             <a:avLst/>
@@ -2675,7 +2675,7 @@
           <a:p>
             <a:fld id="{EC0C1DC1-2FAD-4254-8ED2-12A643AD4120}" type="datetimeFigureOut">
               <a:rPr lang="zh-TW" altLang="en-US" smtClean="0"/>
-              <a:t>2018/8/18</a:t>
+              <a:t>2019/9/7</a:t>
             </a:fld>
             <a:endParaRPr lang="zh-TW" altLang="en-US"/>
           </a:p>
@@ -2693,8 +2693,8 @@
         </p:nvSpPr>
         <p:spPr>
           <a:xfrm>
-            <a:off x="3124200" y="6356350"/>
-            <a:ext cx="2895600" cy="365125"/>
+            <a:off x="3124200" y="4767263"/>
+            <a:ext cx="2895600" cy="273844"/>
           </a:xfrm>
           <a:prstGeom prst="rect">
             <a:avLst/>
@@ -2730,8 +2730,8 @@
         </p:nvSpPr>
         <p:spPr>
           <a:xfrm>
-            <a:off x="6553200" y="6356350"/>
-            <a:ext cx="2133600" cy="365125"/>
+            <a:off x="6553200" y="4767263"/>
+            <a:ext cx="2133600" cy="273844"/>
           </a:xfrm>
           <a:prstGeom prst="rect">
             <a:avLst/>
@@ -3057,11 +3057,13 @@
         </p:nvSpPr>
         <p:spPr/>
         <p:txBody>
-          <a:bodyPr/>
-          <a:lstStyle/>
-          <a:p>
-            <a:r>
-              <a:rPr lang="zh-TW" altLang="en-US" b="1" dirty="0" smtClean="0">
+          <a:bodyPr>
+            <a:normAutofit/>
+          </a:bodyPr>
+          <a:lstStyle/>
+          <a:p>
+            <a:r>
+              <a:rPr lang="zh-TW" altLang="en-US" sz="4000" b="1" dirty="0" smtClean="0">
                 <a:solidFill>
                   <a:srgbClr val="000066"/>
                 </a:solidFill>
@@ -3070,7 +3072,7 @@
               </a:rPr>
               <a:t>真理內心種</a:t>
             </a:r>
-            <a:endParaRPr lang="zh-TW" altLang="en-US" b="1" dirty="0">
+            <a:endParaRPr lang="zh-TW" altLang="en-US" sz="4000" b="1" dirty="0">
               <a:solidFill>
                 <a:srgbClr val="000066"/>
               </a:solidFill>
@@ -3093,7 +3095,7 @@
         <p:spPr/>
         <p:txBody>
           <a:bodyPr>
-            <a:normAutofit/>
+            <a:noAutofit/>
           </a:bodyPr>
           <a:lstStyle/>
           <a:p>
@@ -3101,7 +3103,7 @@
               <a:buNone/>
             </a:pPr>
             <a:r>
-              <a:rPr lang="zh-TW" altLang="en-US" sz="5400" b="1" dirty="0" smtClean="0">
+              <a:rPr lang="zh-TW" altLang="en-US" sz="4800" b="1" dirty="0" smtClean="0">
                 <a:solidFill>
                   <a:srgbClr val="000066"/>
                 </a:solidFill>
@@ -3111,7 +3113,7 @@
               <a:t>聽從  天天</a:t>
             </a:r>
             <a:r>
-              <a:rPr lang="zh-TW" altLang="en-US" sz="5400" b="1" dirty="0">
+              <a:rPr lang="zh-TW" altLang="en-US" sz="4800" b="1" dirty="0">
                 <a:solidFill>
                   <a:srgbClr val="000066"/>
                 </a:solidFill>
@@ -3121,7 +3123,7 @@
               <a:t>跟主腳</a:t>
             </a:r>
             <a:r>
-              <a:rPr lang="zh-TW" altLang="en-US" sz="5400" b="1" dirty="0" smtClean="0">
+              <a:rPr lang="zh-TW" altLang="en-US" sz="4800" b="1" dirty="0" smtClean="0">
                 <a:solidFill>
                   <a:srgbClr val="000066"/>
                 </a:solidFill>
@@ -3130,7 +3132,7 @@
               </a:rPr>
               <a:t>蹤</a:t>
             </a:r>
-            <a:endParaRPr lang="en-US" altLang="zh-TW" sz="5400" b="1" dirty="0" smtClean="0">
+            <a:endParaRPr lang="en-US" altLang="zh-TW" sz="4800" b="1" dirty="0" smtClean="0">
               <a:solidFill>
                 <a:srgbClr val="000066"/>
               </a:solidFill>
@@ -3143,7 +3145,7 @@
               <a:buNone/>
             </a:pPr>
             <a:r>
-              <a:rPr lang="zh-TW" altLang="en-US" sz="5400" b="1" dirty="0" smtClean="0">
+              <a:rPr lang="zh-TW" altLang="en-US" sz="4800" b="1" dirty="0" smtClean="0">
                 <a:solidFill>
                   <a:srgbClr val="000066"/>
                 </a:solidFill>
@@ -3153,7 +3155,7 @@
               <a:t>包容  愛心</a:t>
             </a:r>
             <a:r>
-              <a:rPr lang="zh-TW" altLang="en-US" sz="5400" b="1" dirty="0">
+              <a:rPr lang="zh-TW" altLang="en-US" sz="4800" b="1" dirty="0">
                 <a:solidFill>
                   <a:srgbClr val="000066"/>
                 </a:solidFill>
@@ -3163,7 +3165,7 @@
               <a:t>要互</a:t>
             </a:r>
             <a:r>
-              <a:rPr lang="zh-TW" altLang="en-US" sz="5400" b="1" dirty="0" smtClean="0">
+              <a:rPr lang="zh-TW" altLang="en-US" sz="4800" b="1" dirty="0" smtClean="0">
                 <a:solidFill>
                   <a:srgbClr val="000066"/>
                 </a:solidFill>
@@ -3172,7 +3174,7 @@
               </a:rPr>
               <a:t>傳送</a:t>
             </a:r>
-            <a:endParaRPr lang="en-US" altLang="zh-TW" sz="5400" b="1" dirty="0">
+            <a:endParaRPr lang="en-US" altLang="zh-TW" sz="4800" b="1" dirty="0">
               <a:solidFill>
                 <a:srgbClr val="000066"/>
               </a:solidFill>
@@ -3185,7 +3187,7 @@
               <a:buNone/>
             </a:pPr>
             <a:r>
-              <a:rPr lang="zh-TW" altLang="en-US" sz="5400" b="1" dirty="0" smtClean="0">
+              <a:rPr lang="zh-TW" altLang="en-US" sz="4800" b="1" dirty="0" smtClean="0">
                 <a:solidFill>
                   <a:srgbClr val="000066"/>
                 </a:solidFill>
@@ -3195,7 +3197,7 @@
               <a:t>盡忠  努力</a:t>
             </a:r>
             <a:r>
-              <a:rPr lang="zh-TW" altLang="en-US" sz="5400" b="1" dirty="0">
+              <a:rPr lang="zh-TW" altLang="en-US" sz="4800" b="1" dirty="0">
                 <a:solidFill>
                   <a:srgbClr val="000066"/>
                 </a:solidFill>
@@ -3205,7 +3207,7 @@
               <a:t>進取</a:t>
             </a:r>
             <a:r>
-              <a:rPr lang="zh-TW" altLang="en-US" sz="5400" b="1" dirty="0" smtClean="0">
+              <a:rPr lang="zh-TW" altLang="en-US" sz="4800" b="1" dirty="0" smtClean="0">
                 <a:solidFill>
                   <a:srgbClr val="000066"/>
                 </a:solidFill>
@@ -3214,7 +3216,7 @@
               </a:rPr>
               <a:t>追求</a:t>
             </a:r>
-            <a:endParaRPr lang="en-US" altLang="zh-TW" sz="5400" b="1" dirty="0" smtClean="0">
+            <a:endParaRPr lang="en-US" altLang="zh-TW" sz="4800" b="1" dirty="0" smtClean="0">
               <a:solidFill>
                 <a:srgbClr val="000066"/>
               </a:solidFill>
@@ -3227,7 +3229,7 @@
               <a:buNone/>
             </a:pPr>
             <a:r>
-              <a:rPr lang="zh-TW" altLang="en-US" sz="5400" b="1" dirty="0" smtClean="0">
+              <a:rPr lang="zh-TW" altLang="en-US" sz="4800" b="1" dirty="0" smtClean="0">
                 <a:solidFill>
                   <a:srgbClr val="000066"/>
                 </a:solidFill>
@@ -3237,7 +3239,7 @@
               <a:t>真理</a:t>
             </a:r>
             <a:r>
-              <a:rPr lang="zh-TW" altLang="en-US" sz="5400" b="1" dirty="0">
+              <a:rPr lang="zh-TW" altLang="en-US" sz="4800" b="1" dirty="0">
                 <a:solidFill>
                   <a:srgbClr val="000066"/>
                 </a:solidFill>
@@ -3286,11 +3288,13 @@
         </p:nvSpPr>
         <p:spPr/>
         <p:txBody>
-          <a:bodyPr/>
-          <a:lstStyle/>
-          <a:p>
-            <a:r>
-              <a:rPr lang="zh-TW" altLang="en-US" b="1" dirty="0" smtClean="0">
+          <a:bodyPr>
+            <a:normAutofit/>
+          </a:bodyPr>
+          <a:lstStyle/>
+          <a:p>
+            <a:r>
+              <a:rPr lang="zh-TW" altLang="en-US" sz="4000" b="1" dirty="0">
                 <a:solidFill>
                   <a:srgbClr val="000066"/>
                 </a:solidFill>
@@ -3299,7 +3303,7 @@
               </a:rPr>
               <a:t>真理內心種</a:t>
             </a:r>
-            <a:endParaRPr lang="zh-TW" altLang="en-US" b="1" dirty="0">
+            <a:endParaRPr lang="zh-TW" altLang="en-US" sz="4000" b="1" dirty="0">
               <a:solidFill>
                 <a:srgbClr val="000066"/>
               </a:solidFill>
@@ -3322,7 +3326,7 @@
         <p:spPr/>
         <p:txBody>
           <a:bodyPr>
-            <a:normAutofit/>
+            <a:noAutofit/>
           </a:bodyPr>
           <a:lstStyle/>
           <a:p>
@@ -3330,7 +3334,7 @@
               <a:buNone/>
             </a:pPr>
             <a:r>
-              <a:rPr lang="zh-TW" altLang="en-US" sz="5400" b="1" dirty="0" smtClean="0">
+              <a:rPr lang="zh-TW" altLang="en-US" sz="4800" b="1" dirty="0">
                 <a:solidFill>
                   <a:srgbClr val="000066"/>
                 </a:solidFill>
@@ -3339,7 +3343,7 @@
               </a:rPr>
               <a:t>向下紮根像那萬古松</a:t>
             </a:r>
-            <a:endParaRPr lang="en-US" altLang="zh-TW" sz="5400" b="1" dirty="0" smtClean="0">
+            <a:endParaRPr lang="en-US" altLang="zh-TW" sz="4800" b="1" dirty="0">
               <a:solidFill>
                 <a:srgbClr val="000066"/>
               </a:solidFill>
@@ -3352,7 +3356,7 @@
               <a:buNone/>
             </a:pPr>
             <a:r>
-              <a:rPr lang="zh-TW" altLang="en-US" sz="5400" b="1" dirty="0" smtClean="0">
+              <a:rPr lang="zh-TW" altLang="en-US" sz="4800" b="1" dirty="0">
                 <a:solidFill>
                   <a:srgbClr val="000066"/>
                 </a:solidFill>
@@ -3361,7 +3365,7 @@
               </a:rPr>
               <a:t>抓緊深土那是盆植所相同</a:t>
             </a:r>
-            <a:endParaRPr lang="en-US" altLang="zh-TW" sz="5400" b="1" dirty="0" smtClean="0">
+            <a:endParaRPr lang="en-US" altLang="zh-TW" sz="4800" b="1" dirty="0">
               <a:solidFill>
                 <a:srgbClr val="000066"/>
               </a:solidFill>
@@ -3374,7 +3378,7 @@
               <a:buNone/>
             </a:pPr>
             <a:r>
-              <a:rPr lang="zh-TW" altLang="en-US" sz="5400" b="1" dirty="0" smtClean="0">
+              <a:rPr lang="zh-TW" altLang="en-US" sz="4800" b="1" dirty="0">
                 <a:solidFill>
                   <a:srgbClr val="000066"/>
                 </a:solidFill>
@@ -3383,7 +3387,7 @@
               </a:rPr>
               <a:t>向上結果未畏受傷痛</a:t>
             </a:r>
-            <a:endParaRPr lang="en-US" altLang="zh-TW" sz="5400" b="1" dirty="0" smtClean="0">
+            <a:endParaRPr lang="en-US" altLang="zh-TW" sz="4800" b="1" dirty="0">
               <a:solidFill>
                 <a:srgbClr val="000066"/>
               </a:solidFill>
@@ -3396,15 +3400,32 @@
               <a:buNone/>
             </a:pPr>
             <a:r>
-              <a:rPr lang="zh-TW" altLang="en-US" sz="5400" b="1" dirty="0" smtClean="0">
+              <a:rPr lang="zh-TW" altLang="en-US" sz="4800" b="1" dirty="0">
                 <a:solidFill>
                   <a:srgbClr val="000066"/>
                 </a:solidFill>
                 <a:latin typeface="微軟正黑體" pitchFamily="34" charset="-120"/>
                 <a:ea typeface="微軟正黑體" pitchFamily="34" charset="-120"/>
               </a:rPr>
-              <a:t>多少犧牲亦無言地納貢</a:t>
-            </a:r>
+              <a:t>多少犧牲亦無言地納</a:t>
+            </a:r>
+            <a:r>
+              <a:rPr lang="zh-CN" altLang="en-US" sz="4800" b="1" dirty="0">
+                <a:solidFill>
+                  <a:srgbClr val="000066"/>
+                </a:solidFill>
+                <a:latin typeface="微軟正黑體" pitchFamily="34" charset="-120"/>
+                <a:ea typeface="微軟正黑體" pitchFamily="34" charset="-120"/>
+              </a:rPr>
+              <a:t>送</a:t>
+            </a:r>
+            <a:endParaRPr lang="zh-TW" altLang="en-US" sz="4800" b="1" dirty="0">
+              <a:solidFill>
+                <a:srgbClr val="000066"/>
+              </a:solidFill>
+              <a:latin typeface="微軟正黑體" pitchFamily="34" charset="-120"/>
+              <a:ea typeface="微軟正黑體" pitchFamily="34" charset="-120"/>
+            </a:endParaRPr>
           </a:p>
         </p:txBody>
       </p:sp>
